--- a/1_SQL/2_PPT/20_Count/1_Count.pptx
+++ b/1_SQL/2_PPT/20_Count/1_Count.pptx
@@ -9,6 +9,7 @@
     <p:sldId id="257" r:id="rId3"/>
     <p:sldId id="258" r:id="rId4"/>
     <p:sldId id="259" r:id="rId5"/>
+    <p:sldId id="497" r:id="rId6"/>
   </p:sldIdLst>
   <p:sldSz cx="12192000" cy="6858000"/>
   <p:notesSz cx="6858000" cy="9144000"/>
@@ -264,7 +265,7 @@
           <a:p>
             <a:fld id="{AA4AEB26-1D11-4602-BAE4-7821E6BE252E}" type="datetimeFigureOut">
               <a:rPr lang="en-IN" smtClean="0"/>
-              <a:t>19-10-2022</a:t>
+              <a:t>09-11-2022</a:t>
             </a:fld>
             <a:endParaRPr lang="en-IN"/>
           </a:p>
@@ -464,7 +465,7 @@
           <a:p>
             <a:fld id="{AA4AEB26-1D11-4602-BAE4-7821E6BE252E}" type="datetimeFigureOut">
               <a:rPr lang="en-IN" smtClean="0"/>
-              <a:t>19-10-2022</a:t>
+              <a:t>09-11-2022</a:t>
             </a:fld>
             <a:endParaRPr lang="en-IN"/>
           </a:p>
@@ -674,7 +675,7 @@
           <a:p>
             <a:fld id="{AA4AEB26-1D11-4602-BAE4-7821E6BE252E}" type="datetimeFigureOut">
               <a:rPr lang="en-IN" smtClean="0"/>
-              <a:t>19-10-2022</a:t>
+              <a:t>09-11-2022</a:t>
             </a:fld>
             <a:endParaRPr lang="en-IN"/>
           </a:p>
@@ -874,7 +875,7 @@
           <a:p>
             <a:fld id="{AA4AEB26-1D11-4602-BAE4-7821E6BE252E}" type="datetimeFigureOut">
               <a:rPr lang="en-IN" smtClean="0"/>
-              <a:t>19-10-2022</a:t>
+              <a:t>09-11-2022</a:t>
             </a:fld>
             <a:endParaRPr lang="en-IN"/>
           </a:p>
@@ -1150,7 +1151,7 @@
           <a:p>
             <a:fld id="{AA4AEB26-1D11-4602-BAE4-7821E6BE252E}" type="datetimeFigureOut">
               <a:rPr lang="en-IN" smtClean="0"/>
-              <a:t>19-10-2022</a:t>
+              <a:t>09-11-2022</a:t>
             </a:fld>
             <a:endParaRPr lang="en-IN"/>
           </a:p>
@@ -1418,7 +1419,7 @@
           <a:p>
             <a:fld id="{AA4AEB26-1D11-4602-BAE4-7821E6BE252E}" type="datetimeFigureOut">
               <a:rPr lang="en-IN" smtClean="0"/>
-              <a:t>19-10-2022</a:t>
+              <a:t>09-11-2022</a:t>
             </a:fld>
             <a:endParaRPr lang="en-IN"/>
           </a:p>
@@ -1833,7 +1834,7 @@
           <a:p>
             <a:fld id="{AA4AEB26-1D11-4602-BAE4-7821E6BE252E}" type="datetimeFigureOut">
               <a:rPr lang="en-IN" smtClean="0"/>
-              <a:t>19-10-2022</a:t>
+              <a:t>09-11-2022</a:t>
             </a:fld>
             <a:endParaRPr lang="en-IN"/>
           </a:p>
@@ -1975,7 +1976,7 @@
           <a:p>
             <a:fld id="{AA4AEB26-1D11-4602-BAE4-7821E6BE252E}" type="datetimeFigureOut">
               <a:rPr lang="en-IN" smtClean="0"/>
-              <a:t>19-10-2022</a:t>
+              <a:t>09-11-2022</a:t>
             </a:fld>
             <a:endParaRPr lang="en-IN"/>
           </a:p>
@@ -2088,7 +2089,7 @@
           <a:p>
             <a:fld id="{AA4AEB26-1D11-4602-BAE4-7821E6BE252E}" type="datetimeFigureOut">
               <a:rPr lang="en-IN" smtClean="0"/>
-              <a:t>19-10-2022</a:t>
+              <a:t>09-11-2022</a:t>
             </a:fld>
             <a:endParaRPr lang="en-IN"/>
           </a:p>
@@ -2401,7 +2402,7 @@
           <a:p>
             <a:fld id="{AA4AEB26-1D11-4602-BAE4-7821E6BE252E}" type="datetimeFigureOut">
               <a:rPr lang="en-IN" smtClean="0"/>
-              <a:t>19-10-2022</a:t>
+              <a:t>09-11-2022</a:t>
             </a:fld>
             <a:endParaRPr lang="en-IN"/>
           </a:p>
@@ -2690,7 +2691,7 @@
           <a:p>
             <a:fld id="{AA4AEB26-1D11-4602-BAE4-7821E6BE252E}" type="datetimeFigureOut">
               <a:rPr lang="en-IN" smtClean="0"/>
-              <a:t>19-10-2022</a:t>
+              <a:t>09-11-2022</a:t>
             </a:fld>
             <a:endParaRPr lang="en-IN"/>
           </a:p>
@@ -2933,7 +2934,7 @@
           <a:p>
             <a:fld id="{AA4AEB26-1D11-4602-BAE4-7821E6BE252E}" type="datetimeFigureOut">
               <a:rPr lang="en-IN" smtClean="0"/>
-              <a:t>19-10-2022</a:t>
+              <a:t>09-11-2022</a:t>
             </a:fld>
             <a:endParaRPr lang="en-IN"/>
           </a:p>
@@ -3372,7 +3373,7 @@
         </p:blipFill>
         <p:spPr>
           <a:xfrm>
-            <a:off x="210993" y="201324"/>
+            <a:off x="340301" y="201324"/>
             <a:ext cx="4157807" cy="4054260"/>
           </a:xfrm>
           <a:prstGeom prst="rect">
@@ -3615,10 +3616,103 @@
           <a:chExt cx="0" cy="0"/>
         </a:xfrm>
       </p:grpSpPr>
+      <p:pic>
+        <p:nvPicPr>
+          <p:cNvPr id="2" name="Picture 1">
+            <a:extLst>
+              <a:ext uri="{FF2B5EF4-FFF2-40B4-BE49-F238E27FC236}">
+                <a16:creationId xmlns:a16="http://schemas.microsoft.com/office/drawing/2014/main" id="{27A23A4D-9580-45BB-B660-682247DC537B}"/>
+              </a:ext>
+            </a:extLst>
+          </p:cNvPr>
+          <p:cNvPicPr>
+            <a:picLocks noChangeAspect="1"/>
+          </p:cNvPicPr>
+          <p:nvPr/>
+        </p:nvPicPr>
+        <p:blipFill rotWithShape="1">
+          <a:blip r:embed="rId2"/>
+          <a:srcRect l="11108" r="15059"/>
+          <a:stretch/>
+        </p:blipFill>
+        <p:spPr>
+          <a:xfrm>
+            <a:off x="2004292" y="0"/>
+            <a:ext cx="7767782" cy="6858000"/>
+          </a:xfrm>
+          <a:prstGeom prst="rect">
+            <a:avLst/>
+          </a:prstGeom>
+        </p:spPr>
+      </p:pic>
     </p:spTree>
     <p:extLst>
       <p:ext uri="{BB962C8B-B14F-4D97-AF65-F5344CB8AC3E}">
         <p14:creationId xmlns:p14="http://schemas.microsoft.com/office/powerpoint/2010/main" val="2814587382"/>
+      </p:ext>
+    </p:extLst>
+  </p:cSld>
+  <p:clrMapOvr>
+    <a:masterClrMapping/>
+  </p:clrMapOvr>
+</p:sld>
+</file>
+
+<file path=ppt/slides/slide5.xml><?xml version="1.0" encoding="utf-8"?>
+<p:sld xmlns:a="http://schemas.openxmlformats.org/drawingml/2006/main" xmlns:r="http://schemas.openxmlformats.org/officeDocument/2006/relationships" xmlns:p="http://schemas.openxmlformats.org/presentationml/2006/main">
+  <p:cSld>
+    <p:spTree>
+      <p:nvGrpSpPr>
+        <p:cNvPr id="1" name=""/>
+        <p:cNvGrpSpPr/>
+        <p:nvPr/>
+      </p:nvGrpSpPr>
+      <p:grpSpPr>
+        <a:xfrm>
+          <a:off x="0" y="0"/>
+          <a:ext cx="0" cy="0"/>
+          <a:chOff x="0" y="0"/>
+          <a:chExt cx="0" cy="0"/>
+        </a:xfrm>
+      </p:grpSpPr>
+      <p:pic>
+        <p:nvPicPr>
+          <p:cNvPr id="3" name="Picture 2">
+            <a:extLst>
+              <a:ext uri="{FF2B5EF4-FFF2-40B4-BE49-F238E27FC236}">
+                <a16:creationId xmlns:a16="http://schemas.microsoft.com/office/drawing/2014/main" id="{F449FD85-6E1E-4830-BB5A-7B459B5AB12E}"/>
+              </a:ext>
+            </a:extLst>
+          </p:cNvPr>
+          <p:cNvPicPr>
+            <a:picLocks noChangeAspect="1"/>
+          </p:cNvPicPr>
+          <p:nvPr/>
+        </p:nvPicPr>
+        <p:blipFill rotWithShape="1">
+          <a:blip r:embed="rId2"/>
+          <a:srcRect l="1737" r="1174" b="1872"/>
+          <a:stretch/>
+        </p:blipFill>
+        <p:spPr>
+          <a:xfrm>
+            <a:off x="228600" y="200853"/>
+            <a:ext cx="7444409" cy="4579869"/>
+          </a:xfrm>
+          <a:prstGeom prst="rect">
+            <a:avLst/>
+          </a:prstGeom>
+          <a:ln w="15875">
+            <a:solidFill>
+              <a:schemeClr val="tx1"/>
+            </a:solidFill>
+          </a:ln>
+        </p:spPr>
+      </p:pic>
+    </p:spTree>
+    <p:extLst>
+      <p:ext uri="{BB962C8B-B14F-4D97-AF65-F5344CB8AC3E}">
+        <p14:creationId xmlns:p14="http://schemas.microsoft.com/office/powerpoint/2010/main" val="4058369619"/>
       </p:ext>
     </p:extLst>
   </p:cSld>
